--- a/Уклоняйся от пуль.pptx
+++ b/Уклоняйся от пуль.pptx
@@ -110,6 +110,11 @@
       </a:defRPr>
     </a:lvl9pPr>
   </p:defaultTextStyle>
+  <p:extLst>
+    <p:ext uri="{EFAFB233-063F-42B5-8137-9DF3F51BA10A}">
+      <p15:sldGuideLst xmlns:p15="http://schemas.microsoft.com/office/powerpoint/2012/main"/>
+    </p:ext>
+  </p:extLst>
 </p:presentation>
 </file>
 
@@ -3002,14 +3007,31 @@
             <a:r>
               <a:rPr lang="ru-RU" dirty="0" smtClean="0">
                 <a:solidFill>
-                  <a:schemeClr val="bg1"/>
+                  <a:schemeClr val="tx1">
+                    <a:lumMod val="95000"/>
+                    <a:lumOff val="5000"/>
+                  </a:schemeClr>
                 </a:solidFill>
               </a:rPr>
-              <a:t>Уклоняйся от пуль</a:t>
+              <a:t>Уклоняйся от </a:t>
+            </a:r>
+            <a:r>
+              <a:rPr lang="ru-RU" dirty="0" smtClean="0">
+                <a:solidFill>
+                  <a:schemeClr val="tx1">
+                    <a:lumMod val="95000"/>
+                    <a:lumOff val="5000"/>
+                  </a:schemeClr>
+                </a:solidFill>
+              </a:rPr>
+              <a:t>пуль</a:t>
             </a:r>
             <a:endParaRPr lang="ru-RU" dirty="0">
               <a:solidFill>
-                <a:schemeClr val="bg1"/>
+                <a:schemeClr val="tx1">
+                  <a:lumMod val="95000"/>
+                  <a:lumOff val="5000"/>
+                </a:schemeClr>
               </a:solidFill>
             </a:endParaRPr>
           </a:p>
@@ -3040,7 +3062,10 @@
             <a:r>
               <a:rPr lang="ru-RU" dirty="0" smtClean="0">
                 <a:solidFill>
-                  <a:schemeClr val="bg1"/>
+                  <a:schemeClr val="tx1">
+                    <a:lumMod val="95000"/>
+                    <a:lumOff val="5000"/>
+                  </a:schemeClr>
                 </a:solidFill>
               </a:rPr>
               <a:t>Проект подготовили</a:t>
@@ -3048,7 +3073,10 @@
             <a:r>
               <a:rPr lang="en-US" dirty="0" smtClean="0">
                 <a:solidFill>
-                  <a:schemeClr val="bg1"/>
+                  <a:schemeClr val="tx1">
+                    <a:lumMod val="95000"/>
+                    <a:lumOff val="5000"/>
+                  </a:schemeClr>
                 </a:solidFill>
               </a:rPr>
               <a:t>:</a:t>
@@ -3056,7 +3084,10 @@
             <a:r>
               <a:rPr lang="ru-RU" dirty="0" smtClean="0">
                 <a:solidFill>
-                  <a:schemeClr val="bg1"/>
+                  <a:schemeClr val="tx1">
+                    <a:lumMod val="95000"/>
+                    <a:lumOff val="5000"/>
+                  </a:schemeClr>
                 </a:solidFill>
               </a:rPr>
               <a:t> </a:t>
@@ -3064,7 +3095,10 @@
             <a:r>
               <a:rPr lang="ru-RU" dirty="0" err="1" smtClean="0">
                 <a:solidFill>
-                  <a:schemeClr val="bg1"/>
+                  <a:schemeClr val="tx1">
+                    <a:lumMod val="95000"/>
+                    <a:lumOff val="5000"/>
+                  </a:schemeClr>
                 </a:solidFill>
               </a:rPr>
               <a:t>Корсуков</a:t>
@@ -3072,14 +3106,20 @@
             <a:r>
               <a:rPr lang="ru-RU" dirty="0" smtClean="0">
                 <a:solidFill>
-                  <a:schemeClr val="bg1"/>
+                  <a:schemeClr val="tx1">
+                    <a:lumMod val="95000"/>
+                    <a:lumOff val="5000"/>
+                  </a:schemeClr>
                 </a:solidFill>
               </a:rPr>
               <a:t> Сергей и Щербаков Иван</a:t>
             </a:r>
             <a:endParaRPr lang="ru-RU" dirty="0">
               <a:solidFill>
-                <a:schemeClr val="bg1"/>
+                <a:schemeClr val="tx1">
+                  <a:lumMod val="95000"/>
+                  <a:lumOff val="5000"/>
+                </a:schemeClr>
               </a:solidFill>
             </a:endParaRPr>
           </a:p>
@@ -3154,14 +3194,20 @@
             <a:r>
               <a:rPr lang="ru-RU" dirty="0" smtClean="0">
                 <a:solidFill>
-                  <a:schemeClr val="bg1"/>
+                  <a:schemeClr val="tx1">
+                    <a:lumMod val="95000"/>
+                    <a:lumOff val="5000"/>
+                  </a:schemeClr>
                 </a:solidFill>
               </a:rPr>
               <a:t>Цели и задачи игры</a:t>
             </a:r>
             <a:endParaRPr lang="ru-RU" dirty="0">
               <a:solidFill>
-                <a:schemeClr val="bg1"/>
+                <a:schemeClr val="tx1">
+                  <a:lumMod val="95000"/>
+                  <a:lumOff val="5000"/>
+                </a:schemeClr>
               </a:solidFill>
             </a:endParaRPr>
           </a:p>
@@ -3192,7 +3238,10 @@
             <a:r>
               <a:rPr lang="ru-RU" b="1" dirty="0">
                 <a:solidFill>
-                  <a:schemeClr val="bg1"/>
+                  <a:schemeClr val="tx1">
+                    <a:lumMod val="95000"/>
+                    <a:lumOff val="5000"/>
+                  </a:schemeClr>
                 </a:solidFill>
               </a:rPr>
               <a:t>И</a:t>
@@ -3200,7 +3249,10 @@
             <a:r>
               <a:rPr lang="ru-RU" b="1" dirty="0" smtClean="0">
                 <a:solidFill>
-                  <a:schemeClr val="bg1"/>
+                  <a:schemeClr val="tx1">
+                    <a:lumMod val="95000"/>
+                    <a:lumOff val="5000"/>
+                  </a:schemeClr>
                 </a:solidFill>
               </a:rPr>
               <a:t>збегай попадания пуль </a:t>
@@ -3208,7 +3260,10 @@
             <a:r>
               <a:rPr lang="ru-RU" b="1" dirty="0">
                 <a:solidFill>
-                  <a:schemeClr val="bg1"/>
+                  <a:schemeClr val="tx1">
+                    <a:lumMod val="95000"/>
+                    <a:lumOff val="5000"/>
+                  </a:schemeClr>
                 </a:solidFill>
               </a:rPr>
               <a:t>и </a:t>
@@ -3216,7 +3271,10 @@
             <a:r>
               <a:rPr lang="ru-RU" b="1" dirty="0" smtClean="0">
                 <a:solidFill>
-                  <a:schemeClr val="bg1"/>
+                  <a:schemeClr val="tx1">
+                    <a:lumMod val="95000"/>
+                    <a:lumOff val="5000"/>
+                  </a:schemeClr>
                 </a:solidFill>
               </a:rPr>
               <a:t>получай </a:t>
@@ -3224,7 +3282,10 @@
             <a:r>
               <a:rPr lang="ru-RU" b="1" dirty="0">
                 <a:solidFill>
-                  <a:schemeClr val="bg1"/>
+                  <a:schemeClr val="tx1">
+                    <a:lumMod val="95000"/>
+                    <a:lumOff val="5000"/>
+                  </a:schemeClr>
                 </a:solidFill>
               </a:rPr>
               <a:t>монеты</a:t>
@@ -3301,7 +3362,10 @@
             <a:r>
               <a:rPr lang="ru-RU" dirty="0">
                 <a:solidFill>
-                  <a:schemeClr val="bg1"/>
+                  <a:schemeClr val="tx1">
+                    <a:lumMod val="95000"/>
+                    <a:lumOff val="5000"/>
+                  </a:schemeClr>
                 </a:solidFill>
               </a:rPr>
               <a:t>Основные механики игры</a:t>
@@ -3338,7 +3402,10 @@
             <a:r>
               <a:rPr lang="ru-RU" dirty="0" smtClean="0">
                 <a:solidFill>
-                  <a:schemeClr val="bg1"/>
+                  <a:schemeClr val="tx1">
+                    <a:lumMod val="95000"/>
+                    <a:lumOff val="5000"/>
+                  </a:schemeClr>
                 </a:solidFill>
               </a:rPr>
               <a:t>Управление игроком.</a:t>
@@ -3352,7 +3419,10 @@
             <a:r>
               <a:rPr lang="ru-RU" dirty="0" smtClean="0">
                 <a:solidFill>
-                  <a:schemeClr val="bg1"/>
+                  <a:schemeClr val="tx1">
+                    <a:lumMod val="95000"/>
+                    <a:lumOff val="5000"/>
+                  </a:schemeClr>
                 </a:solidFill>
               </a:rPr>
               <a:t>Генерация пуль.</a:t>
@@ -3366,7 +3436,10 @@
             <a:r>
               <a:rPr lang="ru-RU" dirty="0" smtClean="0">
                 <a:solidFill>
-                  <a:schemeClr val="bg1"/>
+                  <a:schemeClr val="tx1">
+                    <a:lumMod val="95000"/>
+                    <a:lumOff val="5000"/>
+                  </a:schemeClr>
                 </a:solidFill>
               </a:rPr>
               <a:t>Система </a:t>
@@ -3374,7 +3447,10 @@
             <a:r>
               <a:rPr lang="ru-RU" dirty="0">
                 <a:solidFill>
-                  <a:schemeClr val="bg1"/>
+                  <a:schemeClr val="tx1">
+                    <a:lumMod val="95000"/>
+                    <a:lumOff val="5000"/>
+                  </a:schemeClr>
                 </a:solidFill>
               </a:rPr>
               <a:t>начисления </a:t>
@@ -3382,7 +3458,10 @@
             <a:r>
               <a:rPr lang="ru-RU" dirty="0" smtClean="0">
                 <a:solidFill>
-                  <a:schemeClr val="bg1"/>
+                  <a:schemeClr val="tx1">
+                    <a:lumMod val="95000"/>
+                    <a:lumOff val="5000"/>
+                  </a:schemeClr>
                 </a:solidFill>
               </a:rPr>
               <a:t>монет.</a:t>
@@ -3396,7 +3475,10 @@
             <a:r>
               <a:rPr lang="ru-RU" dirty="0" smtClean="0">
                 <a:solidFill>
-                  <a:schemeClr val="bg1"/>
+                  <a:schemeClr val="tx1">
+                    <a:lumMod val="95000"/>
+                    <a:lumOff val="5000"/>
+                  </a:schemeClr>
                 </a:solidFill>
               </a:rPr>
               <a:t>Уровни </a:t>
@@ -3404,7 +3486,10 @@
             <a:r>
               <a:rPr lang="ru-RU" dirty="0">
                 <a:solidFill>
-                  <a:schemeClr val="bg1"/>
+                  <a:schemeClr val="tx1">
+                    <a:lumMod val="95000"/>
+                    <a:lumOff val="5000"/>
+                  </a:schemeClr>
                 </a:solidFill>
               </a:rPr>
               <a:t>сложности: легкий, средний, сложный.</a:t>
@@ -3488,7 +3573,10 @@
             <a:r>
               <a:rPr lang="ru-RU" dirty="0">
                 <a:solidFill>
-                  <a:schemeClr val="bg1"/>
+                  <a:schemeClr val="tx1">
+                    <a:lumMod val="95000"/>
+                    <a:lumOff val="5000"/>
+                  </a:schemeClr>
                 </a:solidFill>
               </a:rPr>
               <a:t>Используемые технологии</a:t>
@@ -3525,7 +3613,10 @@
             <a:r>
               <a:rPr lang="ru-RU" dirty="0" err="1">
                 <a:solidFill>
-                  <a:schemeClr val="bg1"/>
+                  <a:schemeClr val="tx1">
+                    <a:lumMod val="95000"/>
+                    <a:lumOff val="5000"/>
+                  </a:schemeClr>
                 </a:solidFill>
               </a:rPr>
               <a:t>Pygame</a:t>
@@ -3533,7 +3624,10 @@
             <a:r>
               <a:rPr lang="ru-RU" dirty="0">
                 <a:solidFill>
-                  <a:schemeClr val="bg1"/>
+                  <a:schemeClr val="tx1">
+                    <a:lumMod val="95000"/>
+                    <a:lumOff val="5000"/>
+                  </a:schemeClr>
                 </a:solidFill>
               </a:rPr>
               <a:t> для графики и управления.</a:t>
@@ -3547,7 +3641,10 @@
             <a:r>
               <a:rPr lang="ru-RU" dirty="0" err="1">
                 <a:solidFill>
-                  <a:schemeClr val="bg1"/>
+                  <a:schemeClr val="tx1">
+                    <a:lumMod val="95000"/>
+                    <a:lumOff val="5000"/>
+                  </a:schemeClr>
                 </a:solidFill>
               </a:rPr>
               <a:t>SQLite</a:t>
@@ -3555,7 +3652,10 @@
             <a:r>
               <a:rPr lang="ru-RU" dirty="0">
                 <a:solidFill>
-                  <a:schemeClr val="bg1"/>
+                  <a:schemeClr val="tx1">
+                    <a:lumMod val="95000"/>
+                    <a:lumOff val="5000"/>
+                  </a:schemeClr>
                 </a:solidFill>
               </a:rPr>
               <a:t> для хранения данных о монетах.</a:t>
@@ -3610,7 +3710,10 @@
             <a:r>
               <a:rPr lang="ru-RU" dirty="0">
                 <a:solidFill>
-                  <a:schemeClr val="bg1"/>
+                  <a:schemeClr val="tx1">
+                    <a:lumMod val="95000"/>
+                    <a:lumOff val="5000"/>
+                  </a:schemeClr>
                 </a:solidFill>
               </a:rPr>
               <a:t>Структура кода</a:t>
@@ -3647,7 +3750,10 @@
             <a:r>
               <a:rPr lang="ru-RU" dirty="0" smtClean="0">
                 <a:solidFill>
-                  <a:schemeClr val="bg1"/>
+                  <a:schemeClr val="tx1">
+                    <a:lumMod val="95000"/>
+                    <a:lumOff val="5000"/>
+                  </a:schemeClr>
                 </a:solidFill>
               </a:rPr>
               <a:t>Основные </a:t>
@@ -3655,7 +3761,10 @@
             <a:r>
               <a:rPr lang="ru-RU" dirty="0">
                 <a:solidFill>
-                  <a:schemeClr val="bg1"/>
+                  <a:schemeClr val="tx1">
+                    <a:lumMod val="95000"/>
+                    <a:lumOff val="5000"/>
+                  </a:schemeClr>
                 </a:solidFill>
               </a:rPr>
               <a:t>функции (создание пуль, обновление позиций, проверка столкновений).</a:t>
@@ -3669,14 +3778,13 @@
             <a:r>
               <a:rPr lang="ru-RU" dirty="0">
                 <a:solidFill>
-                  <a:schemeClr val="bg1"/>
+                  <a:schemeClr val="tx1">
+                    <a:lumMod val="95000"/>
+                    <a:lumOff val="5000"/>
+                  </a:schemeClr>
                 </a:solidFill>
               </a:rPr>
-              <a:t>Главные меню и меню выбора сложности</a:t>
-            </a:r>
-            <a:r>
-              <a:rPr lang="ru-RU" dirty="0"/>
-              <a:t>.</a:t>
+              <a:t>Главные меню и меню выбора сложности.</a:t>
             </a:r>
           </a:p>
           <a:p>
@@ -3770,14 +3878,20 @@
             <a:r>
               <a:rPr lang="ru-RU" sz="5400" b="1" dirty="0" smtClean="0">
                 <a:solidFill>
-                  <a:schemeClr val="bg1"/>
+                  <a:schemeClr val="tx1">
+                    <a:lumMod val="95000"/>
+                    <a:lumOff val="5000"/>
+                  </a:schemeClr>
                 </a:solidFill>
               </a:rPr>
               <a:t>Демонстрация</a:t>
             </a:r>
             <a:endParaRPr lang="ru-RU" sz="5400" b="1" dirty="0">
               <a:solidFill>
-                <a:schemeClr val="bg1"/>
+                <a:schemeClr val="tx1">
+                  <a:lumMod val="95000"/>
+                  <a:lumOff val="5000"/>
+                </a:schemeClr>
               </a:solidFill>
             </a:endParaRPr>
           </a:p>
@@ -3852,7 +3966,10 @@
             <a:r>
               <a:rPr lang="ru-RU" dirty="0" smtClean="0">
                 <a:solidFill>
-                  <a:schemeClr val="bg1"/>
+                  <a:schemeClr val="tx1">
+                    <a:lumMod val="95000"/>
+                    <a:lumOff val="5000"/>
+                  </a:schemeClr>
                 </a:solidFill>
               </a:rPr>
               <a:t>Возможные </a:t>
@@ -3860,7 +3977,10 @@
             <a:r>
               <a:rPr lang="ru-RU" dirty="0">
                 <a:solidFill>
-                  <a:schemeClr val="bg1"/>
+                  <a:schemeClr val="tx1">
+                    <a:lumMod val="95000"/>
+                    <a:lumOff val="5000"/>
+                  </a:schemeClr>
                 </a:solidFill>
               </a:rPr>
               <a:t>улучшения</a:t>
@@ -3897,7 +4017,10 @@
             <a:r>
               <a:rPr lang="ru-RU" dirty="0">
                 <a:solidFill>
-                  <a:schemeClr val="bg1"/>
+                  <a:schemeClr val="tx1">
+                    <a:lumMod val="95000"/>
+                    <a:lumOff val="5000"/>
+                  </a:schemeClr>
                 </a:solidFill>
               </a:rPr>
               <a:t>Добавление новых уровней.</a:t>
@@ -3911,7 +4034,10 @@
             <a:r>
               <a:rPr lang="ru-RU" dirty="0">
                 <a:solidFill>
-                  <a:schemeClr val="bg1"/>
+                  <a:schemeClr val="tx1">
+                    <a:lumMod val="95000"/>
+                    <a:lumOff val="5000"/>
+                  </a:schemeClr>
                 </a:solidFill>
               </a:rPr>
               <a:t>Улучшение графики и звукового оформления.</a:t>
@@ -3925,7 +4051,10 @@
             <a:r>
               <a:rPr lang="ru-RU" dirty="0">
                 <a:solidFill>
-                  <a:schemeClr val="bg1"/>
+                  <a:schemeClr val="tx1">
+                    <a:lumMod val="95000"/>
+                    <a:lumOff val="5000"/>
+                  </a:schemeClr>
                 </a:solidFill>
               </a:rPr>
               <a:t>Расширение механик игры.</a:t>
@@ -4000,14 +4129,20 @@
             <a:r>
               <a:rPr lang="ru-RU" sz="5400" b="1" dirty="0" smtClean="0">
                 <a:solidFill>
-                  <a:schemeClr val="bg1"/>
+                  <a:schemeClr val="tx1">
+                    <a:lumMod val="95000"/>
+                    <a:lumOff val="5000"/>
+                  </a:schemeClr>
                 </a:solidFill>
               </a:rPr>
               <a:t>Вопросы</a:t>
             </a:r>
             <a:endParaRPr lang="ru-RU" sz="5400" b="1" dirty="0">
               <a:solidFill>
-                <a:schemeClr val="bg1"/>
+                <a:schemeClr val="tx1">
+                  <a:lumMod val="95000"/>
+                  <a:lumOff val="5000"/>
+                </a:schemeClr>
               </a:solidFill>
             </a:endParaRPr>
           </a:p>
